--- a/flowcharts/flowchart2.pptx
+++ b/flowcharts/flowchart2.pptx
@@ -259,7 +259,7 @@
           <a:p>
             <a:fld id="{74A2E6A2-88F1-4343-876D-E4F8B581B01C}" type="datetimeFigureOut">
               <a:rPr lang="en-US" smtClean="0"/>
-              <a:t>12/17/17</a:t>
+              <a:t>8/6/20</a:t>
             </a:fld>
             <a:endParaRPr lang="en-US"/>
           </a:p>
@@ -457,7 +457,7 @@
           <a:p>
             <a:fld id="{74A2E6A2-88F1-4343-876D-E4F8B581B01C}" type="datetimeFigureOut">
               <a:rPr lang="en-US" smtClean="0"/>
-              <a:t>12/17/17</a:t>
+              <a:t>8/6/20</a:t>
             </a:fld>
             <a:endParaRPr lang="en-US"/>
           </a:p>
@@ -665,7 +665,7 @@
           <a:p>
             <a:fld id="{74A2E6A2-88F1-4343-876D-E4F8B581B01C}" type="datetimeFigureOut">
               <a:rPr lang="en-US" smtClean="0"/>
-              <a:t>12/17/17</a:t>
+              <a:t>8/6/20</a:t>
             </a:fld>
             <a:endParaRPr lang="en-US"/>
           </a:p>
@@ -863,7 +863,7 @@
           <a:p>
             <a:fld id="{74A2E6A2-88F1-4343-876D-E4F8B581B01C}" type="datetimeFigureOut">
               <a:rPr lang="en-US" smtClean="0"/>
-              <a:t>12/17/17</a:t>
+              <a:t>8/6/20</a:t>
             </a:fld>
             <a:endParaRPr lang="en-US"/>
           </a:p>
@@ -1138,7 +1138,7 @@
           <a:p>
             <a:fld id="{74A2E6A2-88F1-4343-876D-E4F8B581B01C}" type="datetimeFigureOut">
               <a:rPr lang="en-US" smtClean="0"/>
-              <a:t>12/17/17</a:t>
+              <a:t>8/6/20</a:t>
             </a:fld>
             <a:endParaRPr lang="en-US"/>
           </a:p>
@@ -1403,7 +1403,7 @@
           <a:p>
             <a:fld id="{74A2E6A2-88F1-4343-876D-E4F8B581B01C}" type="datetimeFigureOut">
               <a:rPr lang="en-US" smtClean="0"/>
-              <a:t>12/17/17</a:t>
+              <a:t>8/6/20</a:t>
             </a:fld>
             <a:endParaRPr lang="en-US"/>
           </a:p>
@@ -1815,7 +1815,7 @@
           <a:p>
             <a:fld id="{74A2E6A2-88F1-4343-876D-E4F8B581B01C}" type="datetimeFigureOut">
               <a:rPr lang="en-US" smtClean="0"/>
-              <a:t>12/17/17</a:t>
+              <a:t>8/6/20</a:t>
             </a:fld>
             <a:endParaRPr lang="en-US"/>
           </a:p>
@@ -1956,7 +1956,7 @@
           <a:p>
             <a:fld id="{74A2E6A2-88F1-4343-876D-E4F8B581B01C}" type="datetimeFigureOut">
               <a:rPr lang="en-US" smtClean="0"/>
-              <a:t>12/17/17</a:t>
+              <a:t>8/6/20</a:t>
             </a:fld>
             <a:endParaRPr lang="en-US"/>
           </a:p>
@@ -2069,7 +2069,7 @@
           <a:p>
             <a:fld id="{74A2E6A2-88F1-4343-876D-E4F8B581B01C}" type="datetimeFigureOut">
               <a:rPr lang="en-US" smtClean="0"/>
-              <a:t>12/17/17</a:t>
+              <a:t>8/6/20</a:t>
             </a:fld>
             <a:endParaRPr lang="en-US"/>
           </a:p>
@@ -2380,7 +2380,7 @@
           <a:p>
             <a:fld id="{74A2E6A2-88F1-4343-876D-E4F8B581B01C}" type="datetimeFigureOut">
               <a:rPr lang="en-US" smtClean="0"/>
-              <a:t>12/17/17</a:t>
+              <a:t>8/6/20</a:t>
             </a:fld>
             <a:endParaRPr lang="en-US"/>
           </a:p>
@@ -2668,7 +2668,7 @@
           <a:p>
             <a:fld id="{74A2E6A2-88F1-4343-876D-E4F8B581B01C}" type="datetimeFigureOut">
               <a:rPr lang="en-US" smtClean="0"/>
-              <a:t>12/17/17</a:t>
+              <a:t>8/6/20</a:t>
             </a:fld>
             <a:endParaRPr lang="en-US"/>
           </a:p>
@@ -2909,7 +2909,7 @@
           <a:p>
             <a:fld id="{74A2E6A2-88F1-4343-876D-E4F8B581B01C}" type="datetimeFigureOut">
               <a:rPr lang="en-US" smtClean="0"/>
-              <a:t>12/17/17</a:t>
+              <a:t>8/6/20</a:t>
             </a:fld>
             <a:endParaRPr lang="en-US"/>
           </a:p>
@@ -3328,10 +3328,10 @@
       </p:grpSpPr>
       <p:grpSp>
         <p:nvGrpSpPr>
-          <p:cNvPr id="4" name="Group 3">
-            <a:extLst>
-              <a:ext uri="{FF2B5EF4-FFF2-40B4-BE49-F238E27FC236}">
-                <a16:creationId xmlns:a16="http://schemas.microsoft.com/office/drawing/2014/main" id="{E783C818-66CE-B044-88DA-2B6897281F7D}"/>
+          <p:cNvPr id="46" name="Group 45">
+            <a:extLst>
+              <a:ext uri="{FF2B5EF4-FFF2-40B4-BE49-F238E27FC236}">
+                <a16:creationId xmlns:a16="http://schemas.microsoft.com/office/drawing/2014/main" id="{E3DF35B5-2C22-DB48-A819-AD7A1F049B92}"/>
               </a:ext>
             </a:extLst>
           </p:cNvPr>
@@ -3340,10 +3340,10 @@
         </p:nvGrpSpPr>
         <p:grpSpPr>
           <a:xfrm>
-            <a:off x="1515911" y="959259"/>
-            <a:ext cx="9343136" cy="5026438"/>
-            <a:chOff x="668746" y="1779530"/>
-            <a:chExt cx="9343136" cy="5026438"/>
+            <a:off x="578071" y="373109"/>
+            <a:ext cx="9343136" cy="6329930"/>
+            <a:chOff x="578071" y="373109"/>
+            <a:chExt cx="9343136" cy="6329930"/>
           </a:xfrm>
         </p:grpSpPr>
         <p:sp>
@@ -3360,7 +3360,7 @@
           </p:nvSpPr>
           <p:spPr>
             <a:xfrm>
-              <a:off x="1018954" y="1779531"/>
+              <a:off x="928279" y="373110"/>
               <a:ext cx="2137144" cy="893135"/>
             </a:xfrm>
             <a:prstGeom prst="rect">
@@ -3424,7 +3424,7 @@
           </p:nvSpPr>
           <p:spPr>
             <a:xfrm>
-              <a:off x="1018954" y="3356381"/>
+              <a:off x="928279" y="1949960"/>
               <a:ext cx="2137144" cy="893135"/>
             </a:xfrm>
             <a:prstGeom prst="rect">
@@ -3481,7 +3481,7 @@
           </p:nvSpPr>
           <p:spPr>
             <a:xfrm>
-              <a:off x="1018954" y="5032098"/>
+              <a:off x="928279" y="3625677"/>
               <a:ext cx="2137144" cy="893135"/>
             </a:xfrm>
             <a:prstGeom prst="rect">
@@ -3538,7 +3538,7 @@
           </p:nvSpPr>
           <p:spPr>
             <a:xfrm>
-              <a:off x="4442195" y="1779530"/>
+              <a:off x="4351520" y="373109"/>
               <a:ext cx="2137144" cy="893135"/>
             </a:xfrm>
             <a:prstGeom prst="rect">
@@ -3595,7 +3595,7 @@
           </p:nvSpPr>
           <p:spPr>
             <a:xfrm>
-              <a:off x="4443302" y="3356380"/>
+              <a:off x="4352627" y="1949959"/>
               <a:ext cx="2137144" cy="893135"/>
             </a:xfrm>
             <a:prstGeom prst="rect">
@@ -3653,7 +3653,7 @@
           </p:nvSpPr>
           <p:spPr>
             <a:xfrm>
-              <a:off x="4443302" y="5032097"/>
+              <a:off x="4352627" y="3625676"/>
               <a:ext cx="2137144" cy="893135"/>
             </a:xfrm>
             <a:prstGeom prst="rect">
@@ -3694,6 +3694,17 @@
                 <a:t>Confounders</a:t>
               </a:r>
             </a:p>
+            <a:p>
+              <a:pPr algn="ctr"/>
+              <a:r>
+                <a:rPr lang="en-US" dirty="0">
+                  <a:solidFill>
+                    <a:srgbClr val="7030A0"/>
+                  </a:solidFill>
+                </a:rPr>
+                <a:t>Anchoring</a:t>
+              </a:r>
+            </a:p>
           </p:txBody>
         </p:sp>
         <p:sp>
@@ -3710,7 +3721,7 @@
           </p:nvSpPr>
           <p:spPr>
             <a:xfrm>
-              <a:off x="7867650" y="2959245"/>
+              <a:off x="7776975" y="1552824"/>
               <a:ext cx="2137144" cy="893135"/>
             </a:xfrm>
             <a:prstGeom prst="rect">
@@ -3755,10 +3766,10 @@
         </p:sp>
         <p:sp>
           <p:nvSpPr>
-            <p:cNvPr id="12" name="Rectangle 11">
+            <p:cNvPr id="13" name="Rectangle 12">
               <a:extLst>
                 <a:ext uri="{FF2B5EF4-FFF2-40B4-BE49-F238E27FC236}">
-                  <a16:creationId xmlns:a16="http://schemas.microsoft.com/office/drawing/2014/main" id="{2639906A-3E39-2247-B79C-22BDF1A48DB4}"/>
+                  <a16:creationId xmlns:a16="http://schemas.microsoft.com/office/drawing/2014/main" id="{D0CC133C-828A-8341-84B8-E6BAA7F98BFD}"/>
                 </a:ext>
               </a:extLst>
             </p:cNvPr>
@@ -3767,7 +3778,7 @@
           </p:nvSpPr>
           <p:spPr>
             <a:xfrm>
-              <a:off x="7867650" y="5032097"/>
+              <a:off x="7784063" y="373109"/>
               <a:ext cx="2137144" cy="893135"/>
             </a:xfrm>
             <a:prstGeom prst="rect">
@@ -3810,70 +3821,6 @@
             </a:p>
           </p:txBody>
         </p:sp>
-        <p:sp>
-          <p:nvSpPr>
-            <p:cNvPr id="13" name="Rectangle 12">
-              <a:extLst>
-                <a:ext uri="{FF2B5EF4-FFF2-40B4-BE49-F238E27FC236}">
-                  <a16:creationId xmlns:a16="http://schemas.microsoft.com/office/drawing/2014/main" id="{D0CC133C-828A-8341-84B8-E6BAA7F98BFD}"/>
-                </a:ext>
-              </a:extLst>
-            </p:cNvPr>
-            <p:cNvSpPr/>
-            <p:nvPr/>
-          </p:nvSpPr>
-          <p:spPr>
-            <a:xfrm>
-              <a:off x="7874738" y="1779530"/>
-              <a:ext cx="2137144" cy="893135"/>
-            </a:xfrm>
-            <a:prstGeom prst="rect">
-              <a:avLst/>
-            </a:prstGeom>
-            <a:solidFill>
-              <a:schemeClr val="accent5"/>
-            </a:solidFill>
-            <a:ln>
-              <a:solidFill>
-                <a:schemeClr val="accent5"/>
-              </a:solidFill>
-            </a:ln>
-          </p:spPr>
-          <p:style>
-            <a:lnRef idx="2">
-              <a:schemeClr val="accent1">
-                <a:shade val="50000"/>
-              </a:schemeClr>
-            </a:lnRef>
-            <a:fillRef idx="1">
-              <a:schemeClr val="accent1"/>
-            </a:fillRef>
-            <a:effectRef idx="0">
-              <a:schemeClr val="accent1"/>
-            </a:effectRef>
-            <a:fontRef idx="minor">
-              <a:schemeClr val="lt1"/>
-            </a:fontRef>
-          </p:style>
-          <p:txBody>
-            <a:bodyPr rtlCol="0" anchor="ctr"/>
-            <a:lstStyle/>
-            <a:p>
-              <a:pPr algn="ctr"/>
-              <a:r>
-                <a:rPr lang="en-US" dirty="0"/>
-                <a:t>Network</a:t>
-              </a:r>
-            </a:p>
-            <a:p>
-              <a:pPr algn="ctr"/>
-              <a:r>
-                <a:rPr lang="en-US" dirty="0"/>
-                <a:t>Analysis</a:t>
-              </a:r>
-            </a:p>
-          </p:txBody>
-        </p:sp>
         <p:cxnSp>
           <p:nvCxnSpPr>
             <p:cNvPr id="14" name="Straight Arrow Connector 13">
@@ -3888,7 +3835,7 @@
           </p:nvCxnSpPr>
           <p:spPr>
             <a:xfrm>
-              <a:off x="1339702" y="2672665"/>
+              <a:off x="1249027" y="1266244"/>
               <a:ext cx="0" cy="683715"/>
             </a:xfrm>
             <a:prstGeom prst="straightConnector1">
@@ -3930,7 +3877,7 @@
           </p:nvCxnSpPr>
           <p:spPr>
             <a:xfrm>
-              <a:off x="1339702" y="4249515"/>
+              <a:off x="1249027" y="2843094"/>
               <a:ext cx="0" cy="782582"/>
             </a:xfrm>
             <a:prstGeom prst="straightConnector1">
@@ -3972,7 +3919,7 @@
           </p:nvCxnSpPr>
           <p:spPr>
             <a:xfrm>
-              <a:off x="4788195" y="4249515"/>
+              <a:off x="4697520" y="2843094"/>
               <a:ext cx="0" cy="782582"/>
             </a:xfrm>
             <a:prstGeom prst="straightConnector1">
@@ -4014,7 +3961,7 @@
           </p:nvCxnSpPr>
           <p:spPr>
             <a:xfrm>
-              <a:off x="4788195" y="2672664"/>
+              <a:off x="4697520" y="1266243"/>
               <a:ext cx="0" cy="683715"/>
             </a:xfrm>
             <a:prstGeom prst="straightConnector1">
@@ -4056,7 +4003,7 @@
           </p:nvSpPr>
           <p:spPr>
             <a:xfrm>
-              <a:off x="8399720" y="3802947"/>
+              <a:off x="8403742" y="4612595"/>
               <a:ext cx="1365841" cy="923330"/>
             </a:xfrm>
             <a:prstGeom prst="rect">
@@ -4098,7 +4045,7 @@
           </p:nvCxnSpPr>
           <p:spPr>
             <a:xfrm>
-              <a:off x="6580446" y="5478665"/>
+              <a:off x="6489771" y="4072244"/>
               <a:ext cx="1287204" cy="0"/>
             </a:xfrm>
             <a:prstGeom prst="straightConnector1">
@@ -4142,7 +4089,7 @@
           </p:nvCxnSpPr>
           <p:spPr>
             <a:xfrm flipV="1">
-              <a:off x="6580446" y="4423144"/>
+              <a:off x="6489771" y="3016723"/>
               <a:ext cx="1287204" cy="1055521"/>
             </a:xfrm>
             <a:prstGeom prst="straightConnector1">
@@ -4180,14 +4127,15 @@
               </a:extLst>
             </p:cNvPr>
             <p:cNvCxnSpPr>
-              <a:stCxn id="11" idx="3"/>
-              <a:endCxn id="12" idx="1"/>
+              <a:cxnSpLocks/>
+              <a:stCxn id="10" idx="3"/>
+              <a:endCxn id="11" idx="1"/>
             </p:cNvCxnSpPr>
             <p:nvPr/>
           </p:nvCxnSpPr>
           <p:spPr>
             <a:xfrm flipV="1">
-              <a:off x="6580446" y="3405813"/>
+              <a:off x="6489771" y="1999392"/>
               <a:ext cx="1287204" cy="2072852"/>
             </a:xfrm>
             <a:prstGeom prst="straightConnector1">
@@ -4225,6 +4173,7 @@
               </a:extLst>
             </p:cNvPr>
             <p:cNvCxnSpPr>
+              <a:cxnSpLocks/>
               <a:stCxn id="11" idx="3"/>
               <a:endCxn id="14" idx="1"/>
             </p:cNvCxnSpPr>
@@ -4232,7 +4181,7 @@
           </p:nvCxnSpPr>
           <p:spPr>
             <a:xfrm flipV="1">
-              <a:off x="6580446" y="2226098"/>
+              <a:off x="6489771" y="819677"/>
               <a:ext cx="1294292" cy="3252567"/>
             </a:xfrm>
             <a:prstGeom prst="straightConnector1">
@@ -4277,7 +4226,7 @@
           </p:nvCxnSpPr>
           <p:spPr>
             <a:xfrm flipV="1">
-              <a:off x="3156098" y="2226098"/>
+              <a:off x="3065423" y="819677"/>
               <a:ext cx="1286097" cy="3252568"/>
             </a:xfrm>
             <a:prstGeom prst="bentConnector3">
@@ -4321,7 +4270,7 @@
           </p:nvSpPr>
           <p:spPr>
             <a:xfrm>
-              <a:off x="1398960" y="2691626"/>
+              <a:off x="1308285" y="1285205"/>
               <a:ext cx="2405173" cy="584775"/>
             </a:xfrm>
             <a:prstGeom prst="rect">
@@ -4362,7 +4311,7 @@
           </p:nvSpPr>
           <p:spPr>
             <a:xfrm>
-              <a:off x="1392979" y="4325034"/>
+              <a:off x="1302304" y="2918613"/>
               <a:ext cx="2405173" cy="584775"/>
             </a:xfrm>
             <a:prstGeom prst="rect">
@@ -4397,7 +4346,7 @@
           </p:nvSpPr>
           <p:spPr>
             <a:xfrm>
-              <a:off x="668746" y="5944194"/>
+              <a:off x="578071" y="4537773"/>
               <a:ext cx="4111142" cy="861774"/>
             </a:xfrm>
             <a:prstGeom prst="rect">
@@ -4457,7 +4406,7 @@
           </p:nvSpPr>
           <p:spPr>
             <a:xfrm>
-              <a:off x="5031858" y="2843336"/>
+              <a:off x="4941183" y="1436915"/>
               <a:ext cx="1379575" cy="338554"/>
             </a:xfrm>
             <a:prstGeom prst="rect">
@@ -4492,7 +4441,7 @@
           </p:nvSpPr>
           <p:spPr>
             <a:xfrm>
-              <a:off x="5031858" y="6190547"/>
+              <a:off x="4941183" y="4653935"/>
               <a:ext cx="1662001" cy="338554"/>
             </a:xfrm>
             <a:prstGeom prst="rect">
@@ -4527,7 +4476,7 @@
           </p:nvSpPr>
           <p:spPr>
             <a:xfrm>
-              <a:off x="5031858" y="4330553"/>
+              <a:off x="4941183" y="2924132"/>
               <a:ext cx="1379575" cy="584775"/>
             </a:xfrm>
             <a:prstGeom prst="rect">
@@ -4554,6 +4503,298 @@
             </a:p>
           </p:txBody>
         </p:sp>
+        <p:sp>
+          <p:nvSpPr>
+            <p:cNvPr id="30" name="Rectangle 29">
+              <a:extLst>
+                <a:ext uri="{FF2B5EF4-FFF2-40B4-BE49-F238E27FC236}">
+                  <a16:creationId xmlns:a16="http://schemas.microsoft.com/office/drawing/2014/main" id="{76620EF2-8E54-B941-AFB2-4BF05629D71C}"/>
+                </a:ext>
+              </a:extLst>
+            </p:cNvPr>
+            <p:cNvSpPr/>
+            <p:nvPr/>
+          </p:nvSpPr>
+          <p:spPr>
+            <a:xfrm>
+              <a:off x="7784063" y="5809904"/>
+              <a:ext cx="2137144" cy="893135"/>
+            </a:xfrm>
+            <a:prstGeom prst="rect">
+              <a:avLst/>
+            </a:prstGeom>
+            <a:solidFill>
+              <a:schemeClr val="accent5"/>
+            </a:solidFill>
+            <a:ln>
+              <a:solidFill>
+                <a:schemeClr val="accent5"/>
+              </a:solidFill>
+            </a:ln>
+          </p:spPr>
+          <p:style>
+            <a:lnRef idx="2">
+              <a:schemeClr val="accent1">
+                <a:shade val="50000"/>
+              </a:schemeClr>
+            </a:lnRef>
+            <a:fillRef idx="1">
+              <a:schemeClr val="accent1"/>
+            </a:fillRef>
+            <a:effectRef idx="0">
+              <a:schemeClr val="accent1"/>
+            </a:effectRef>
+            <a:fontRef idx="minor">
+              <a:schemeClr val="lt1"/>
+            </a:fontRef>
+          </p:style>
+          <p:txBody>
+            <a:bodyPr rtlCol="0" anchor="ctr"/>
+            <a:lstStyle/>
+            <a:p>
+              <a:pPr algn="ctr"/>
+              <a:r>
+                <a:rPr lang="en-US" dirty="0">
+                  <a:solidFill>
+                    <a:srgbClr val="7030A0"/>
+                  </a:solidFill>
+                </a:rPr>
+                <a:t>VDJ/ATAC/Cite-seq</a:t>
+              </a:r>
+            </a:p>
+            <a:p>
+              <a:pPr algn="ctr"/>
+              <a:r>
+                <a:rPr lang="en-US" dirty="0">
+                  <a:solidFill>
+                    <a:srgbClr val="7030A0"/>
+                  </a:solidFill>
+                </a:rPr>
+                <a:t>Integration</a:t>
+              </a:r>
+            </a:p>
+          </p:txBody>
+        </p:sp>
+        <p:sp>
+          <p:nvSpPr>
+            <p:cNvPr id="31" name="Rectangle 30">
+              <a:extLst>
+                <a:ext uri="{FF2B5EF4-FFF2-40B4-BE49-F238E27FC236}">
+                  <a16:creationId xmlns:a16="http://schemas.microsoft.com/office/drawing/2014/main" id="{19FE38DF-3119-3649-8AF8-17DB7C450C29}"/>
+                </a:ext>
+              </a:extLst>
+            </p:cNvPr>
+            <p:cNvSpPr/>
+            <p:nvPr/>
+          </p:nvSpPr>
+          <p:spPr>
+            <a:xfrm>
+              <a:off x="7784063" y="2610253"/>
+              <a:ext cx="2137144" cy="893135"/>
+            </a:xfrm>
+            <a:prstGeom prst="rect">
+              <a:avLst/>
+            </a:prstGeom>
+            <a:solidFill>
+              <a:schemeClr val="accent5"/>
+            </a:solidFill>
+            <a:ln>
+              <a:solidFill>
+                <a:schemeClr val="accent5"/>
+              </a:solidFill>
+            </a:ln>
+          </p:spPr>
+          <p:style>
+            <a:lnRef idx="2">
+              <a:schemeClr val="accent1">
+                <a:shade val="50000"/>
+              </a:schemeClr>
+            </a:lnRef>
+            <a:fillRef idx="1">
+              <a:schemeClr val="accent1"/>
+            </a:fillRef>
+            <a:effectRef idx="0">
+              <a:schemeClr val="accent1"/>
+            </a:effectRef>
+            <a:fontRef idx="minor">
+              <a:schemeClr val="lt1"/>
+            </a:fontRef>
+          </p:style>
+          <p:txBody>
+            <a:bodyPr rtlCol="0" anchor="ctr"/>
+            <a:lstStyle/>
+            <a:p>
+              <a:pPr algn="ctr"/>
+              <a:r>
+                <a:rPr lang="en-US" dirty="0"/>
+                <a:t>Network Analysis</a:t>
+              </a:r>
+            </a:p>
+          </p:txBody>
+        </p:sp>
+        <p:sp>
+          <p:nvSpPr>
+            <p:cNvPr id="37" name="Rectangle 36">
+              <a:extLst>
+                <a:ext uri="{FF2B5EF4-FFF2-40B4-BE49-F238E27FC236}">
+                  <a16:creationId xmlns:a16="http://schemas.microsoft.com/office/drawing/2014/main" id="{5D6A3B27-DFE3-3840-9299-F1DC17B434BA}"/>
+                </a:ext>
+              </a:extLst>
+            </p:cNvPr>
+            <p:cNvSpPr/>
+            <p:nvPr/>
+          </p:nvSpPr>
+          <p:spPr>
+            <a:xfrm>
+              <a:off x="7776975" y="3719460"/>
+              <a:ext cx="2137144" cy="893135"/>
+            </a:xfrm>
+            <a:prstGeom prst="rect">
+              <a:avLst/>
+            </a:prstGeom>
+            <a:solidFill>
+              <a:schemeClr val="accent5"/>
+            </a:solidFill>
+            <a:ln>
+              <a:solidFill>
+                <a:schemeClr val="accent5"/>
+              </a:solidFill>
+            </a:ln>
+          </p:spPr>
+          <p:style>
+            <a:lnRef idx="2">
+              <a:schemeClr val="accent1">
+                <a:shade val="50000"/>
+              </a:schemeClr>
+            </a:lnRef>
+            <a:fillRef idx="1">
+              <a:schemeClr val="accent1"/>
+            </a:fillRef>
+            <a:effectRef idx="0">
+              <a:schemeClr val="accent1"/>
+            </a:effectRef>
+            <a:fontRef idx="minor">
+              <a:schemeClr val="lt1"/>
+            </a:fontRef>
+          </p:style>
+          <p:txBody>
+            <a:bodyPr rtlCol="0" anchor="ctr"/>
+            <a:lstStyle/>
+            <a:p>
+              <a:pPr algn="ctr"/>
+              <a:r>
+                <a:rPr lang="en-US" dirty="0">
+                  <a:solidFill>
+                    <a:srgbClr val="7030A0"/>
+                  </a:solidFill>
+                </a:rPr>
+                <a:t>Velocity/Trajectory</a:t>
+              </a:r>
+            </a:p>
+            <a:p>
+              <a:pPr algn="ctr"/>
+              <a:r>
+                <a:rPr lang="en-US" dirty="0">
+                  <a:solidFill>
+                    <a:srgbClr val="7030A0"/>
+                  </a:solidFill>
+                </a:rPr>
+                <a:t>Analysis</a:t>
+              </a:r>
+            </a:p>
+          </p:txBody>
+        </p:sp>
+        <p:cxnSp>
+          <p:nvCxnSpPr>
+            <p:cNvPr id="39" name="Straight Arrow Connector 38">
+              <a:extLst>
+                <a:ext uri="{FF2B5EF4-FFF2-40B4-BE49-F238E27FC236}">
+                  <a16:creationId xmlns:a16="http://schemas.microsoft.com/office/drawing/2014/main" id="{420B732C-A82D-6C4D-A996-8FA935B909D2}"/>
+                </a:ext>
+              </a:extLst>
+            </p:cNvPr>
+            <p:cNvCxnSpPr>
+              <a:cxnSpLocks/>
+              <a:stCxn id="10" idx="3"/>
+              <a:endCxn id="30" idx="1"/>
+            </p:cNvCxnSpPr>
+            <p:nvPr/>
+          </p:nvCxnSpPr>
+          <p:spPr>
+            <a:xfrm>
+              <a:off x="6489771" y="4072244"/>
+              <a:ext cx="1294292" cy="2184228"/>
+            </a:xfrm>
+            <a:prstGeom prst="straightConnector1">
+              <a:avLst/>
+            </a:prstGeom>
+            <a:ln w="50800">
+              <a:solidFill>
+                <a:schemeClr val="tx1"/>
+              </a:solidFill>
+              <a:tailEnd type="triangle"/>
+            </a:ln>
+          </p:spPr>
+          <p:style>
+            <a:lnRef idx="1">
+              <a:schemeClr val="accent1"/>
+            </a:lnRef>
+            <a:fillRef idx="0">
+              <a:schemeClr val="accent1"/>
+            </a:fillRef>
+            <a:effectRef idx="0">
+              <a:schemeClr val="accent1"/>
+            </a:effectRef>
+            <a:fontRef idx="minor">
+              <a:schemeClr val="tx1"/>
+            </a:fontRef>
+          </p:style>
+        </p:cxnSp>
+        <p:cxnSp>
+          <p:nvCxnSpPr>
+            <p:cNvPr id="43" name="Straight Arrow Connector 42">
+              <a:extLst>
+                <a:ext uri="{FF2B5EF4-FFF2-40B4-BE49-F238E27FC236}">
+                  <a16:creationId xmlns:a16="http://schemas.microsoft.com/office/drawing/2014/main" id="{ED16EFC5-38ED-F149-B2CC-16C62862022E}"/>
+                </a:ext>
+              </a:extLst>
+            </p:cNvPr>
+            <p:cNvCxnSpPr>
+              <a:cxnSpLocks/>
+              <a:stCxn id="10" idx="3"/>
+            </p:cNvCxnSpPr>
+            <p:nvPr/>
+          </p:nvCxnSpPr>
+          <p:spPr>
+            <a:xfrm>
+              <a:off x="6489771" y="4072244"/>
+              <a:ext cx="1294292" cy="1192305"/>
+            </a:xfrm>
+            <a:prstGeom prst="straightConnector1">
+              <a:avLst/>
+            </a:prstGeom>
+            <a:ln w="50800">
+              <a:solidFill>
+                <a:schemeClr val="tx1"/>
+              </a:solidFill>
+              <a:tailEnd type="triangle"/>
+            </a:ln>
+          </p:spPr>
+          <p:style>
+            <a:lnRef idx="1">
+              <a:schemeClr val="accent1"/>
+            </a:lnRef>
+            <a:fillRef idx="0">
+              <a:schemeClr val="accent1"/>
+            </a:fillRef>
+            <a:effectRef idx="0">
+              <a:schemeClr val="accent1"/>
+            </a:effectRef>
+            <a:fontRef idx="minor">
+              <a:schemeClr val="tx1"/>
+            </a:fontRef>
+          </p:style>
+        </p:cxnSp>
       </p:grpSp>
     </p:spTree>
     <p:extLst>
